--- a/Krishna Housing_EDA_Presentation.pptx
+++ b/Krishna Housing_EDA_Presentation.pptx
@@ -8071,8 +8071,8 @@
         </p:nvSpPr>
         <p:spPr>
           <a:xfrm>
-            <a:off x="5585382" y="5079167"/>
-            <a:ext cx="3256959" cy="1477328"/>
+            <a:off x="4458878" y="3987538"/>
+            <a:ext cx="4383463" cy="1938992"/>
           </a:xfrm>
           <a:prstGeom prst="rect">
             <a:avLst/>
@@ -8086,7 +8086,7 @@
           <a:lstStyle/>
           <a:p>
             <a:r>
-              <a:rPr lang="en-IN" sz="1800" b="1" kern="100" dirty="0">
+              <a:rPr lang="en-IN" sz="2400" b="1" kern="100" dirty="0">
                 <a:effectLst>
                   <a:outerShdw blurRad="38100" dist="38100" dir="2700000" algn="tl">
                     <a:srgbClr val="000000">
@@ -8100,7 +8100,7 @@
               <a:t>Krishna S</a:t>
             </a:r>
             <a:br>
-              <a:rPr lang="en-IN" sz="1800" b="1" kern="100" dirty="0">
+              <a:rPr lang="en-IN" sz="2400" b="1" kern="100" dirty="0">
                 <a:effectLst>
                   <a:outerShdw blurRad="38100" dist="38100" dir="2700000" algn="tl">
                     <a:srgbClr val="000000">
@@ -8113,7 +8113,7 @@
               </a:rPr>
             </a:br>
             <a:r>
-              <a:rPr lang="en-IN" sz="1800" b="1" kern="100" dirty="0">
+              <a:rPr lang="en-IN" sz="2400" b="1" kern="100" dirty="0">
                 <a:effectLst>
                   <a:outerShdw blurRad="38100" dist="38100" dir="2700000" algn="tl">
                     <a:srgbClr val="000000">
@@ -8127,7 +8127,7 @@
               <a:t>DA /DS</a:t>
             </a:r>
             <a:br>
-              <a:rPr lang="en-IN" sz="1800" b="1" kern="100" dirty="0">
+              <a:rPr lang="en-IN" sz="2400" b="1" kern="100" dirty="0">
                 <a:effectLst>
                   <a:outerShdw blurRad="38100" dist="38100" dir="2700000" algn="tl">
                     <a:srgbClr val="000000">
@@ -8140,7 +8140,7 @@
               </a:rPr>
             </a:br>
             <a:r>
-              <a:rPr lang="en-IN" sz="1800" b="1" kern="100" dirty="0">
+              <a:rPr lang="en-IN" sz="2400" b="1" kern="100" dirty="0">
                 <a:effectLst>
                   <a:outerShdw blurRad="38100" dist="38100" dir="2700000" algn="tl">
                     <a:srgbClr val="000000">
@@ -8156,7 +8156,7 @@
           </a:p>
           <a:p>
             <a:r>
-              <a:rPr lang="en-IN" sz="1800" b="1" kern="100" dirty="0">
+              <a:rPr lang="en-IN" sz="2400" b="1" kern="100" dirty="0">
                 <a:effectLst/>
                 <a:latin typeface="Times New Roman" panose="02020603050405020304" pitchFamily="18" charset="0"/>
                 <a:ea typeface="Calibri" panose="020F0502020204030204" pitchFamily="34" charset="0"/>
@@ -8165,7 +8165,7 @@
               <a:t>Roll Number:</a:t>
             </a:r>
             <a:r>
-              <a:rPr lang="en-IN" sz="1800" kern="100" dirty="0">
+              <a:rPr lang="en-IN" sz="2400" kern="100" dirty="0">
                 <a:effectLst/>
                 <a:latin typeface="Times New Roman" panose="02020603050405020304" pitchFamily="18" charset="0"/>
                 <a:ea typeface="Calibri" panose="020F0502020204030204" pitchFamily="34" charset="0"/>
@@ -8173,7 +8173,7 @@
               </a:rPr>
               <a:t> 16525CBRE17</a:t>
             </a:r>
-            <a:endParaRPr lang="en-IN" sz="1800" kern="100" dirty="0">
+            <a:endParaRPr lang="en-IN" sz="2400" kern="100" dirty="0">
               <a:effectLst/>
               <a:latin typeface="Calibri" panose="020F0502020204030204" pitchFamily="34" charset="0"/>
               <a:ea typeface="Calibri" panose="020F0502020204030204" pitchFamily="34" charset="0"/>
@@ -8181,7 +8181,7 @@
             </a:endParaRPr>
           </a:p>
           <a:p>
-            <a:endParaRPr lang="en-IN" dirty="0"/>
+            <a:endParaRPr lang="en-IN" sz="2400" dirty="0"/>
           </a:p>
         </p:txBody>
       </p:sp>
@@ -8226,6 +8226,10 @@
           <a:lstStyle/>
           <a:p>
             <a:r>
+              <a:rPr dirty="0">
+                <a:latin typeface="Times New Roman" panose="02020603050405020304" pitchFamily="18" charset="0"/>
+                <a:cs typeface="Times New Roman" panose="02020603050405020304" pitchFamily="18" charset="0"/>
+              </a:rPr>
               <a:t>Relationships Between Variables</a:t>
             </a:r>
           </a:p>
@@ -8256,7 +8260,10 @@
               <a:buChar char="•"/>
             </a:pPr>
             <a:r>
-              <a:rPr lang="en-US" dirty="0"/>
+              <a:rPr lang="en-US" dirty="0">
+                <a:latin typeface="Times New Roman" panose="02020603050405020304" pitchFamily="18" charset="0"/>
+                <a:cs typeface="Times New Roman" panose="02020603050405020304" pitchFamily="18" charset="0"/>
+              </a:rPr>
               <a:t>Analyzed correlation between price and:</a:t>
             </a:r>
           </a:p>
@@ -8266,15 +8273,24 @@
               <a:buChar char="•"/>
             </a:pPr>
             <a:r>
-              <a:rPr lang="en-US" dirty="0"/>
+              <a:rPr lang="en-US" dirty="0">
+                <a:latin typeface="Times New Roman" panose="02020603050405020304" pitchFamily="18" charset="0"/>
+                <a:cs typeface="Times New Roman" panose="02020603050405020304" pitchFamily="18" charset="0"/>
+              </a:rPr>
               <a:t>Bedrooms, bathrooms, </a:t>
             </a:r>
             <a:r>
-              <a:rPr lang="en-US" dirty="0" err="1"/>
+              <a:rPr lang="en-US" dirty="0" err="1">
+                <a:latin typeface="Times New Roman" panose="02020603050405020304" pitchFamily="18" charset="0"/>
+                <a:cs typeface="Times New Roman" panose="02020603050405020304" pitchFamily="18" charset="0"/>
+              </a:rPr>
               <a:t>sqft</a:t>
             </a:r>
             <a:r>
-              <a:rPr lang="en-US" dirty="0"/>
+              <a:rPr lang="en-US" dirty="0">
+                <a:latin typeface="Times New Roman" panose="02020603050405020304" pitchFamily="18" charset="0"/>
+                <a:cs typeface="Times New Roman" panose="02020603050405020304" pitchFamily="18" charset="0"/>
+              </a:rPr>
               <a:t>, view, condition</a:t>
             </a:r>
           </a:p>
@@ -8284,11 +8300,17 @@
               <a:buChar char="•"/>
             </a:pPr>
             <a:r>
-              <a:rPr lang="en-US" b="1" dirty="0"/>
+              <a:rPr lang="en-US" b="1" dirty="0">
+                <a:latin typeface="Times New Roman" panose="02020603050405020304" pitchFamily="18" charset="0"/>
+                <a:cs typeface="Times New Roman" panose="02020603050405020304" pitchFamily="18" charset="0"/>
+              </a:rPr>
               <a:t>Tests Used</a:t>
             </a:r>
             <a:r>
-              <a:rPr lang="en-US" dirty="0"/>
+              <a:rPr lang="en-US" dirty="0">
+                <a:latin typeface="Times New Roman" panose="02020603050405020304" pitchFamily="18" charset="0"/>
+                <a:cs typeface="Times New Roman" panose="02020603050405020304" pitchFamily="18" charset="0"/>
+              </a:rPr>
               <a:t>: Pearson correlation, T-test, Chi-square test</a:t>
             </a:r>
           </a:p>
@@ -8298,15 +8320,24 @@
               <a:buChar char="•"/>
             </a:pPr>
             <a:r>
-              <a:rPr lang="en-US" dirty="0"/>
+              <a:rPr lang="en-US" dirty="0">
+                <a:latin typeface="Times New Roman" panose="02020603050405020304" pitchFamily="18" charset="0"/>
+                <a:cs typeface="Times New Roman" panose="02020603050405020304" pitchFamily="18" charset="0"/>
+              </a:rPr>
               <a:t>Found strong links with </a:t>
             </a:r>
             <a:r>
-              <a:rPr lang="en-US" dirty="0" err="1"/>
+              <a:rPr lang="en-US" dirty="0" err="1">
+                <a:latin typeface="Times New Roman" panose="02020603050405020304" pitchFamily="18" charset="0"/>
+                <a:cs typeface="Times New Roman" panose="02020603050405020304" pitchFamily="18" charset="0"/>
+              </a:rPr>
               <a:t>sqft</a:t>
             </a:r>
             <a:r>
-              <a:rPr lang="en-US" dirty="0"/>
+              <a:rPr lang="en-US" dirty="0">
+                <a:latin typeface="Times New Roman" panose="02020603050405020304" pitchFamily="18" charset="0"/>
+                <a:cs typeface="Times New Roman" panose="02020603050405020304" pitchFamily="18" charset="0"/>
+              </a:rPr>
               <a:t> and condition</a:t>
             </a:r>
           </a:p>
@@ -8353,6 +8384,10 @@
           <a:lstStyle/>
           <a:p>
             <a:r>
+              <a:rPr>
+                <a:latin typeface="Times New Roman" panose="02020603050405020304" pitchFamily="18" charset="0"/>
+                <a:cs typeface="Times New Roman" panose="02020603050405020304" pitchFamily="18" charset="0"/>
+              </a:rPr>
               <a:t>Data Visualization</a:t>
             </a:r>
           </a:p>
@@ -8378,7 +8413,10 @@
               <a:buChar char="•"/>
             </a:pPr>
             <a:r>
-              <a:rPr lang="en-US" dirty="0"/>
+              <a:rPr lang="en-US" dirty="0">
+                <a:latin typeface="Times New Roman" panose="02020603050405020304" pitchFamily="18" charset="0"/>
+                <a:cs typeface="Times New Roman" panose="02020603050405020304" pitchFamily="18" charset="0"/>
+              </a:rPr>
               <a:t>Helped spot trends, distributions, and outliers.</a:t>
             </a:r>
           </a:p>
@@ -8388,11 +8426,17 @@
               <a:buChar char="•"/>
             </a:pPr>
             <a:r>
-              <a:rPr lang="en-US" b="1" dirty="0"/>
+              <a:rPr lang="en-US" b="1" dirty="0">
+                <a:latin typeface="Times New Roman" panose="02020603050405020304" pitchFamily="18" charset="0"/>
+                <a:cs typeface="Times New Roman" panose="02020603050405020304" pitchFamily="18" charset="0"/>
+              </a:rPr>
               <a:t>Types Used</a:t>
             </a:r>
             <a:r>
-              <a:rPr lang="en-US" dirty="0"/>
+              <a:rPr lang="en-US" dirty="0">
+                <a:latin typeface="Times New Roman" panose="02020603050405020304" pitchFamily="18" charset="0"/>
+                <a:cs typeface="Times New Roman" panose="02020603050405020304" pitchFamily="18" charset="0"/>
+              </a:rPr>
               <a:t>:</a:t>
             </a:r>
           </a:p>
@@ -8402,7 +8446,10 @@
               <a:buChar char="•"/>
             </a:pPr>
             <a:r>
-              <a:rPr lang="en-US" dirty="0"/>
+              <a:rPr lang="en-US" dirty="0">
+                <a:latin typeface="Times New Roman" panose="02020603050405020304" pitchFamily="18" charset="0"/>
+                <a:cs typeface="Times New Roman" panose="02020603050405020304" pitchFamily="18" charset="0"/>
+              </a:rPr>
               <a:t>Histograms</a:t>
             </a:r>
           </a:p>
@@ -8412,7 +8459,10 @@
               <a:buChar char="•"/>
             </a:pPr>
             <a:r>
-              <a:rPr lang="en-US" dirty="0"/>
+              <a:rPr lang="en-US" dirty="0">
+                <a:latin typeface="Times New Roman" panose="02020603050405020304" pitchFamily="18" charset="0"/>
+                <a:cs typeface="Times New Roman" panose="02020603050405020304" pitchFamily="18" charset="0"/>
+              </a:rPr>
               <a:t>Boxplots</a:t>
             </a:r>
           </a:p>
@@ -8422,7 +8472,10 @@
               <a:buChar char="•"/>
             </a:pPr>
             <a:r>
-              <a:rPr lang="en-US" dirty="0"/>
+              <a:rPr lang="en-US" dirty="0">
+                <a:latin typeface="Times New Roman" panose="02020603050405020304" pitchFamily="18" charset="0"/>
+                <a:cs typeface="Times New Roman" panose="02020603050405020304" pitchFamily="18" charset="0"/>
+              </a:rPr>
               <a:t>Bar charts</a:t>
             </a:r>
           </a:p>
@@ -8432,7 +8485,10 @@
               <a:buChar char="•"/>
             </a:pPr>
             <a:r>
-              <a:rPr lang="en-US" dirty="0"/>
+              <a:rPr lang="en-US" dirty="0">
+                <a:latin typeface="Times New Roman" panose="02020603050405020304" pitchFamily="18" charset="0"/>
+                <a:cs typeface="Times New Roman" panose="02020603050405020304" pitchFamily="18" charset="0"/>
+              </a:rPr>
               <a:t>Scatter plots</a:t>
             </a:r>
           </a:p>
@@ -8479,6 +8535,10 @@
           <a:lstStyle/>
           <a:p>
             <a:r>
+              <a:rPr>
+                <a:latin typeface="Times New Roman" panose="02020603050405020304" pitchFamily="18" charset="0"/>
+                <a:cs typeface="Times New Roman" panose="02020603050405020304" pitchFamily="18" charset="0"/>
+              </a:rPr>
               <a:t>Univariate Analysis</a:t>
             </a:r>
           </a:p>
@@ -8504,7 +8564,10 @@
               <a:buChar char="•"/>
             </a:pPr>
             <a:r>
-              <a:rPr lang="en-US" dirty="0"/>
+              <a:rPr lang="en-US" dirty="0">
+                <a:latin typeface="Times New Roman" panose="02020603050405020304" pitchFamily="18" charset="0"/>
+                <a:cs typeface="Times New Roman" panose="02020603050405020304" pitchFamily="18" charset="0"/>
+              </a:rPr>
               <a:t>Explored individual variables:</a:t>
             </a:r>
           </a:p>
@@ -8514,15 +8577,24 @@
               <a:buChar char="•"/>
             </a:pPr>
             <a:r>
-              <a:rPr lang="en-US" dirty="0"/>
+              <a:rPr lang="en-US" dirty="0">
+                <a:latin typeface="Times New Roman" panose="02020603050405020304" pitchFamily="18" charset="0"/>
+                <a:cs typeface="Times New Roman" panose="02020603050405020304" pitchFamily="18" charset="0"/>
+              </a:rPr>
               <a:t>Price, </a:t>
             </a:r>
             <a:r>
-              <a:rPr lang="en-US" dirty="0" err="1"/>
+              <a:rPr lang="en-US" dirty="0" err="1">
+                <a:latin typeface="Times New Roman" panose="02020603050405020304" pitchFamily="18" charset="0"/>
+                <a:cs typeface="Times New Roman" panose="02020603050405020304" pitchFamily="18" charset="0"/>
+              </a:rPr>
               <a:t>sqft</a:t>
             </a:r>
             <a:r>
-              <a:rPr lang="en-US" dirty="0"/>
+              <a:rPr lang="en-US" dirty="0">
+                <a:latin typeface="Times New Roman" panose="02020603050405020304" pitchFamily="18" charset="0"/>
+                <a:cs typeface="Times New Roman" panose="02020603050405020304" pitchFamily="18" charset="0"/>
+              </a:rPr>
               <a:t> living, lot size, condition, year built</a:t>
             </a:r>
           </a:p>
@@ -8532,16 +8604,82 @@
               <a:buChar char="•"/>
             </a:pPr>
             <a:r>
-              <a:rPr lang="en-US" b="1" dirty="0"/>
+              <a:rPr lang="en-US" b="1" dirty="0">
+                <a:latin typeface="Times New Roman" panose="02020603050405020304" pitchFamily="18" charset="0"/>
+                <a:cs typeface="Times New Roman" panose="02020603050405020304" pitchFamily="18" charset="0"/>
+              </a:rPr>
               <a:t>Visuals</a:t>
             </a:r>
             <a:r>
-              <a:rPr lang="en-US" dirty="0"/>
+              <a:rPr lang="en-US" dirty="0">
+                <a:latin typeface="Times New Roman" panose="02020603050405020304" pitchFamily="18" charset="0"/>
+                <a:cs typeface="Times New Roman" panose="02020603050405020304" pitchFamily="18" charset="0"/>
+              </a:rPr>
               <a:t>: Histogram for distribution, Boxplot for spread</a:t>
             </a:r>
           </a:p>
         </p:txBody>
       </p:sp>
+      <p:pic>
+        <p:nvPicPr>
+          <p:cNvPr id="5122" name="Picture 1">
+            <a:extLst>
+              <a:ext uri="{FF2B5EF4-FFF2-40B4-BE49-F238E27FC236}">
+                <a16:creationId xmlns:a16="http://schemas.microsoft.com/office/drawing/2014/main" id="{12D39F70-4886-3D63-54C2-2EDCED9C01D5}"/>
+              </a:ext>
+            </a:extLst>
+          </p:cNvPr>
+          <p:cNvPicPr>
+            <a:picLocks noChangeAspect="1" noChangeArrowheads="1"/>
+          </p:cNvPicPr>
+          <p:nvPr/>
+        </p:nvPicPr>
+        <p:blipFill>
+          <a:blip r:embed="rId2">
+            <a:extLst>
+              <a:ext uri="{28A0092B-C50C-407E-A947-70E740481C1C}">
+                <a14:useLocalDpi xmlns:a14="http://schemas.microsoft.com/office/drawing/2010/main" val="0"/>
+              </a:ext>
+            </a:extLst>
+          </a:blip>
+          <a:srcRect/>
+          <a:stretch>
+            <a:fillRect/>
+          </a:stretch>
+        </p:blipFill>
+        <p:spPr bwMode="auto">
+          <a:xfrm>
+            <a:off x="2519473" y="3664681"/>
+            <a:ext cx="4901316" cy="3069264"/>
+          </a:xfrm>
+          <a:prstGeom prst="rect">
+            <a:avLst/>
+          </a:prstGeom>
+          <a:noFill/>
+          <a:ln>
+            <a:noFill/>
+          </a:ln>
+          <a:extLst>
+            <a:ext uri="{909E8E84-426E-40DD-AFC4-6F175D3DCCD1}">
+              <a14:hiddenFill xmlns:a14="http://schemas.microsoft.com/office/drawing/2010/main">
+                <a:solidFill>
+                  <a:srgbClr val="FFFFFF"/>
+                </a:solidFill>
+              </a14:hiddenFill>
+            </a:ext>
+            <a:ext uri="{91240B29-F687-4F45-9708-019B960494DF}">
+              <a14:hiddenLine xmlns:a14="http://schemas.microsoft.com/office/drawing/2010/main" w="9525">
+                <a:solidFill>
+                  <a:srgbClr val="000000"/>
+                </a:solidFill>
+                <a:miter lim="800000"/>
+                <a:headEnd/>
+                <a:tailEnd/>
+              </a14:hiddenLine>
+            </a:ext>
+          </a:extLst>
+        </p:spPr>
+      </p:pic>
     </p:spTree>
   </p:cSld>
   <p:clrMapOvr>
@@ -8583,6 +8721,10 @@
           <a:lstStyle/>
           <a:p>
             <a:r>
+              <a:rPr>
+                <a:latin typeface="Times New Roman" panose="02020603050405020304" pitchFamily="18" charset="0"/>
+                <a:cs typeface="Times New Roman" panose="02020603050405020304" pitchFamily="18" charset="0"/>
+              </a:rPr>
               <a:t>Bivariate Analysis</a:t>
             </a:r>
           </a:p>
@@ -8598,7 +8740,12 @@
             <p:ph idx="1"/>
           </p:nvPr>
         </p:nvSpPr>
-        <p:spPr/>
+        <p:spPr>
+          <a:xfrm>
+            <a:off x="533400" y="2336873"/>
+            <a:ext cx="3680381" cy="3599316"/>
+          </a:xfrm>
+        </p:spPr>
         <p:txBody>
           <a:bodyPr/>
           <a:lstStyle/>
@@ -8608,7 +8755,10 @@
               <a:buChar char="•"/>
             </a:pPr>
             <a:r>
-              <a:rPr lang="en-US" dirty="0"/>
+              <a:rPr lang="en-US" dirty="0">
+                <a:latin typeface="Times New Roman" panose="02020603050405020304" pitchFamily="18" charset="0"/>
+                <a:cs typeface="Times New Roman" panose="02020603050405020304" pitchFamily="18" charset="0"/>
+              </a:rPr>
               <a:t>Explored two-variable relationships:</a:t>
             </a:r>
           </a:p>
@@ -8618,15 +8768,24 @@
               <a:buChar char="•"/>
             </a:pPr>
             <a:r>
-              <a:rPr lang="en-US" dirty="0"/>
+              <a:rPr lang="en-US" dirty="0">
+                <a:latin typeface="Times New Roman" panose="02020603050405020304" pitchFamily="18" charset="0"/>
+                <a:cs typeface="Times New Roman" panose="02020603050405020304" pitchFamily="18" charset="0"/>
+              </a:rPr>
               <a:t>Price vs </a:t>
             </a:r>
             <a:r>
-              <a:rPr lang="en-US" dirty="0" err="1"/>
+              <a:rPr lang="en-US" dirty="0" err="1">
+                <a:latin typeface="Times New Roman" panose="02020603050405020304" pitchFamily="18" charset="0"/>
+                <a:cs typeface="Times New Roman" panose="02020603050405020304" pitchFamily="18" charset="0"/>
+              </a:rPr>
               <a:t>sqft</a:t>
             </a:r>
             <a:r>
-              <a:rPr lang="en-US" dirty="0"/>
+              <a:rPr lang="en-US" dirty="0">
+                <a:latin typeface="Times New Roman" panose="02020603050405020304" pitchFamily="18" charset="0"/>
+                <a:cs typeface="Times New Roman" panose="02020603050405020304" pitchFamily="18" charset="0"/>
+              </a:rPr>
               <a:t> living</a:t>
             </a:r>
           </a:p>
@@ -8636,7 +8795,10 @@
               <a:buChar char="•"/>
             </a:pPr>
             <a:r>
-              <a:rPr lang="en-US" dirty="0"/>
+              <a:rPr lang="en-US" dirty="0">
+                <a:latin typeface="Times New Roman" panose="02020603050405020304" pitchFamily="18" charset="0"/>
+                <a:cs typeface="Times New Roman" panose="02020603050405020304" pitchFamily="18" charset="0"/>
+              </a:rPr>
               <a:t>Price vs bedrooms</a:t>
             </a:r>
           </a:p>
@@ -8646,7 +8808,10 @@
               <a:buChar char="•"/>
             </a:pPr>
             <a:r>
-              <a:rPr lang="en-US" dirty="0"/>
+              <a:rPr lang="en-US" dirty="0">
+                <a:latin typeface="Times New Roman" panose="02020603050405020304" pitchFamily="18" charset="0"/>
+                <a:cs typeface="Times New Roman" panose="02020603050405020304" pitchFamily="18" charset="0"/>
+              </a:rPr>
               <a:t>City vs Price</a:t>
             </a:r>
           </a:p>
@@ -8656,16 +8821,82 @@
               <a:buChar char="•"/>
             </a:pPr>
             <a:r>
-              <a:rPr lang="en-US" b="1" dirty="0"/>
+              <a:rPr lang="en-US" b="1" dirty="0">
+                <a:latin typeface="Times New Roman" panose="02020603050405020304" pitchFamily="18" charset="0"/>
+                <a:cs typeface="Times New Roman" panose="02020603050405020304" pitchFamily="18" charset="0"/>
+              </a:rPr>
               <a:t>Visuals</a:t>
             </a:r>
             <a:r>
-              <a:rPr lang="en-US" dirty="0"/>
+              <a:rPr lang="en-US" dirty="0">
+                <a:latin typeface="Times New Roman" panose="02020603050405020304" pitchFamily="18" charset="0"/>
+                <a:cs typeface="Times New Roman" panose="02020603050405020304" pitchFamily="18" charset="0"/>
+              </a:rPr>
               <a:t>: Scatter plots, Bar plots, Correlation heatmap</a:t>
             </a:r>
           </a:p>
         </p:txBody>
       </p:sp>
+      <p:pic>
+        <p:nvPicPr>
+          <p:cNvPr id="6146" name="Picture 1">
+            <a:extLst>
+              <a:ext uri="{FF2B5EF4-FFF2-40B4-BE49-F238E27FC236}">
+                <a16:creationId xmlns:a16="http://schemas.microsoft.com/office/drawing/2014/main" id="{B2B62EC3-6F72-3206-E9C0-C97AE7705578}"/>
+              </a:ext>
+            </a:extLst>
+          </p:cNvPr>
+          <p:cNvPicPr>
+            <a:picLocks noChangeAspect="1" noChangeArrowheads="1"/>
+          </p:cNvPicPr>
+          <p:nvPr/>
+        </p:nvPicPr>
+        <p:blipFill>
+          <a:blip r:embed="rId2">
+            <a:extLst>
+              <a:ext uri="{28A0092B-C50C-407E-A947-70E740481C1C}">
+                <a14:useLocalDpi xmlns:a14="http://schemas.microsoft.com/office/drawing/2010/main" val="0"/>
+              </a:ext>
+            </a:extLst>
+          </a:blip>
+          <a:srcRect/>
+          <a:stretch>
+            <a:fillRect/>
+          </a:stretch>
+        </p:blipFill>
+        <p:spPr bwMode="auto">
+          <a:xfrm>
+            <a:off x="4392891" y="2393881"/>
+            <a:ext cx="4668838" cy="2867025"/>
+          </a:xfrm>
+          <a:prstGeom prst="rect">
+            <a:avLst/>
+          </a:prstGeom>
+          <a:noFill/>
+          <a:ln>
+            <a:noFill/>
+          </a:ln>
+          <a:extLst>
+            <a:ext uri="{909E8E84-426E-40DD-AFC4-6F175D3DCCD1}">
+              <a14:hiddenFill xmlns:a14="http://schemas.microsoft.com/office/drawing/2010/main">
+                <a:solidFill>
+                  <a:srgbClr val="FFFFFF"/>
+                </a:solidFill>
+              </a14:hiddenFill>
+            </a:ext>
+            <a:ext uri="{91240B29-F687-4F45-9708-019B960494DF}">
+              <a14:hiddenLine xmlns:a14="http://schemas.microsoft.com/office/drawing/2010/main" w="9525">
+                <a:solidFill>
+                  <a:srgbClr val="000000"/>
+                </a:solidFill>
+                <a:miter lim="800000"/>
+                <a:headEnd/>
+                <a:tailEnd/>
+              </a14:hiddenLine>
+            </a:ext>
+          </a:extLst>
+        </p:spPr>
+      </p:pic>
     </p:spTree>
   </p:cSld>
   <p:clrMapOvr>
@@ -8707,6 +8938,10 @@
           <a:lstStyle/>
           <a:p>
             <a:r>
+              <a:rPr>
+                <a:latin typeface="Times New Roman" panose="02020603050405020304" pitchFamily="18" charset="0"/>
+                <a:cs typeface="Times New Roman" panose="02020603050405020304" pitchFamily="18" charset="0"/>
+              </a:rPr>
               <a:t>Multivariate Analysis</a:t>
             </a:r>
           </a:p>
@@ -8722,7 +8957,12 @@
             <p:ph idx="1"/>
           </p:nvPr>
         </p:nvSpPr>
-        <p:spPr/>
+        <p:spPr>
+          <a:xfrm>
+            <a:off x="533400" y="2336873"/>
+            <a:ext cx="3161907" cy="3599316"/>
+          </a:xfrm>
+        </p:spPr>
         <p:txBody>
           <a:bodyPr/>
           <a:lstStyle/>
@@ -8732,7 +8972,10 @@
               <a:buChar char="•"/>
             </a:pPr>
             <a:r>
-              <a:rPr lang="en-US" dirty="0"/>
+              <a:rPr lang="en-US" dirty="0">
+                <a:latin typeface="Times New Roman" panose="02020603050405020304" pitchFamily="18" charset="0"/>
+                <a:cs typeface="Times New Roman" panose="02020603050405020304" pitchFamily="18" charset="0"/>
+              </a:rPr>
               <a:t>Examined combined influence of multiple features on price</a:t>
             </a:r>
           </a:p>
@@ -8742,7 +8985,10 @@
               <a:buChar char="•"/>
             </a:pPr>
             <a:r>
-              <a:rPr lang="en-US" dirty="0"/>
+              <a:rPr lang="en-US" dirty="0">
+                <a:latin typeface="Times New Roman" panose="02020603050405020304" pitchFamily="18" charset="0"/>
+                <a:cs typeface="Times New Roman" panose="02020603050405020304" pitchFamily="18" charset="0"/>
+              </a:rPr>
               <a:t>Used:</a:t>
             </a:r>
           </a:p>
@@ -8752,7 +8998,10 @@
               <a:buChar char="•"/>
             </a:pPr>
             <a:r>
-              <a:rPr lang="en-US" dirty="0"/>
+              <a:rPr lang="en-US" dirty="0">
+                <a:latin typeface="Times New Roman" panose="02020603050405020304" pitchFamily="18" charset="0"/>
+                <a:cs typeface="Times New Roman" panose="02020603050405020304" pitchFamily="18" charset="0"/>
+              </a:rPr>
               <a:t>Scatter matrix</a:t>
             </a:r>
           </a:p>
@@ -8762,7 +9011,10 @@
               <a:buChar char="•"/>
             </a:pPr>
             <a:r>
-              <a:rPr lang="en-US" dirty="0"/>
+              <a:rPr lang="en-US" dirty="0">
+                <a:latin typeface="Times New Roman" panose="02020603050405020304" pitchFamily="18" charset="0"/>
+                <a:cs typeface="Times New Roman" panose="02020603050405020304" pitchFamily="18" charset="0"/>
+              </a:rPr>
               <a:t>Grouped bar charts</a:t>
             </a:r>
           </a:p>
@@ -8772,12 +9024,75 @@
               <a:buChar char="•"/>
             </a:pPr>
             <a:r>
-              <a:rPr lang="en-US" dirty="0"/>
+              <a:rPr lang="en-US" dirty="0">
+                <a:latin typeface="Times New Roman" panose="02020603050405020304" pitchFamily="18" charset="0"/>
+                <a:cs typeface="Times New Roman" panose="02020603050405020304" pitchFamily="18" charset="0"/>
+              </a:rPr>
               <a:t>Cluster insights</a:t>
             </a:r>
           </a:p>
         </p:txBody>
       </p:sp>
+      <p:pic>
+        <p:nvPicPr>
+          <p:cNvPr id="7170" name="Picture 1">
+            <a:extLst>
+              <a:ext uri="{FF2B5EF4-FFF2-40B4-BE49-F238E27FC236}">
+                <a16:creationId xmlns:a16="http://schemas.microsoft.com/office/drawing/2014/main" id="{C79AAAEF-3AE3-8265-A6F0-DF0C22CF04C1}"/>
+              </a:ext>
+            </a:extLst>
+          </p:cNvPr>
+          <p:cNvPicPr>
+            <a:picLocks noChangeAspect="1" noChangeArrowheads="1"/>
+          </p:cNvPicPr>
+          <p:nvPr/>
+        </p:nvPicPr>
+        <p:blipFill>
+          <a:blip r:embed="rId2">
+            <a:extLst>
+              <a:ext uri="{28A0092B-C50C-407E-A947-70E740481C1C}">
+                <a14:useLocalDpi xmlns:a14="http://schemas.microsoft.com/office/drawing/2010/main" val="0"/>
+              </a:ext>
+            </a:extLst>
+          </a:blip>
+          <a:srcRect/>
+          <a:stretch>
+            <a:fillRect/>
+          </a:stretch>
+        </p:blipFill>
+        <p:spPr bwMode="auto">
+          <a:xfrm>
+            <a:off x="3531975" y="2429038"/>
+            <a:ext cx="5340350" cy="3206750"/>
+          </a:xfrm>
+          <a:prstGeom prst="rect">
+            <a:avLst/>
+          </a:prstGeom>
+          <a:noFill/>
+          <a:ln>
+            <a:noFill/>
+          </a:ln>
+          <a:extLst>
+            <a:ext uri="{909E8E84-426E-40DD-AFC4-6F175D3DCCD1}">
+              <a14:hiddenFill xmlns:a14="http://schemas.microsoft.com/office/drawing/2010/main">
+                <a:solidFill>
+                  <a:srgbClr val="FFFFFF"/>
+                </a:solidFill>
+              </a14:hiddenFill>
+            </a:ext>
+            <a:ext uri="{91240B29-F687-4F45-9708-019B960494DF}">
+              <a14:hiddenLine xmlns:a14="http://schemas.microsoft.com/office/drawing/2010/main" w="9525">
+                <a:solidFill>
+                  <a:srgbClr val="000000"/>
+                </a:solidFill>
+                <a:miter lim="800000"/>
+                <a:headEnd/>
+                <a:tailEnd/>
+              </a14:hiddenLine>
+            </a:ext>
+          </a:extLst>
+        </p:spPr>
+      </p:pic>
     </p:spTree>
   </p:cSld>
   <p:clrMapOvr>
@@ -8819,9 +9134,12 @@
           <a:lstStyle/>
           <a:p>
             <a:r>
+              <a:rPr dirty="0">
+                <a:latin typeface="Times New Roman" panose="02020603050405020304" pitchFamily="18" charset="0"/>
+                <a:cs typeface="Times New Roman" panose="02020603050405020304" pitchFamily="18" charset="0"/>
+              </a:rPr>
               <a:t>Conclusion</a:t>
             </a:r>
-            <a:endParaRPr dirty="0"/>
           </a:p>
         </p:txBody>
       </p:sp>
@@ -8837,8 +9155,8 @@
         </p:nvSpPr>
         <p:spPr>
           <a:xfrm>
-            <a:off x="533400" y="2336873"/>
-            <a:ext cx="7573652" cy="3599316"/>
+            <a:off x="533400" y="2336872"/>
+            <a:ext cx="8026138" cy="3894245"/>
           </a:xfrm>
         </p:spPr>
         <p:txBody>
@@ -8903,12 +9221,6 @@
               </a:rPr>
               <a:t>.</a:t>
             </a:r>
-            <a:endParaRPr lang="en-IN" sz="6800" kern="100" dirty="0">
-              <a:effectLst/>
-              <a:latin typeface="Calibri" panose="020F0502020204030204" pitchFamily="34" charset="0"/>
-              <a:ea typeface="Calibri" panose="020F0502020204030204" pitchFamily="34" charset="0"/>
-              <a:cs typeface="Times New Roman" panose="02020603050405020304" pitchFamily="18" charset="0"/>
-            </a:endParaRPr>
           </a:p>
           <a:p>
             <a:pPr marL="342900" lvl="0" indent="-342900" algn="just">
@@ -8958,12 +9270,6 @@
               </a:rPr>
               <a:t>.</a:t>
             </a:r>
-            <a:endParaRPr lang="en-IN" sz="6800" kern="100" dirty="0">
-              <a:effectLst/>
-              <a:latin typeface="Calibri" panose="020F0502020204030204" pitchFamily="34" charset="0"/>
-              <a:ea typeface="Calibri" panose="020F0502020204030204" pitchFamily="34" charset="0"/>
-              <a:cs typeface="Times New Roman" panose="02020603050405020304" pitchFamily="18" charset="0"/>
-            </a:endParaRPr>
           </a:p>
           <a:p>
             <a:pPr marL="342900" lvl="0" indent="-342900" algn="just">
@@ -9022,12 +9328,6 @@
               </a:rPr>
               <a:t>.</a:t>
             </a:r>
-            <a:endParaRPr lang="en-IN" sz="6800" kern="100" dirty="0">
-              <a:effectLst/>
-              <a:latin typeface="Calibri" panose="020F0502020204030204" pitchFamily="34" charset="0"/>
-              <a:ea typeface="Calibri" panose="020F0502020204030204" pitchFamily="34" charset="0"/>
-              <a:cs typeface="Times New Roman" panose="02020603050405020304" pitchFamily="18" charset="0"/>
-            </a:endParaRPr>
           </a:p>
           <a:p>
             <a:pPr marL="342900" lvl="0" indent="-342900" algn="just">
@@ -9059,12 +9359,6 @@
               </a:rPr>
               <a:t> do not significantly increase the price.</a:t>
             </a:r>
-            <a:endParaRPr lang="en-IN" sz="6800" kern="100" dirty="0">
-              <a:effectLst/>
-              <a:latin typeface="Calibri" panose="020F0502020204030204" pitchFamily="34" charset="0"/>
-              <a:ea typeface="Calibri" panose="020F0502020204030204" pitchFamily="34" charset="0"/>
-              <a:cs typeface="Times New Roman" panose="02020603050405020304" pitchFamily="18" charset="0"/>
-            </a:endParaRPr>
           </a:p>
           <a:p>
             <a:pPr marL="342900" lvl="0" indent="-342900" algn="just">
@@ -9114,12 +9408,6 @@
               </a:rPr>
               <a:t>, but with more variation.</a:t>
             </a:r>
-            <a:endParaRPr lang="en-IN" sz="6800" kern="100" dirty="0">
-              <a:effectLst/>
-              <a:latin typeface="Calibri" panose="020F0502020204030204" pitchFamily="34" charset="0"/>
-              <a:ea typeface="Calibri" panose="020F0502020204030204" pitchFamily="34" charset="0"/>
-              <a:cs typeface="Times New Roman" panose="02020603050405020304" pitchFamily="18" charset="0"/>
-            </a:endParaRPr>
           </a:p>
           <a:p>
             <a:pPr marL="342900" lvl="0" indent="-342900" algn="just">
@@ -9169,12 +9457,6 @@
               </a:rPr>
               <a:t>, making it the most premium city in the dataset.</a:t>
             </a:r>
-            <a:endParaRPr lang="en-IN" sz="6800" kern="100" dirty="0">
-              <a:effectLst/>
-              <a:latin typeface="Calibri" panose="020F0502020204030204" pitchFamily="34" charset="0"/>
-              <a:ea typeface="Calibri" panose="020F0502020204030204" pitchFamily="34" charset="0"/>
-              <a:cs typeface="Times New Roman" panose="02020603050405020304" pitchFamily="18" charset="0"/>
-            </a:endParaRPr>
           </a:p>
           <a:p>
             <a:pPr marL="342900" lvl="0" indent="-342900" algn="just">
@@ -9224,12 +9506,6 @@
               </a:rPr>
               <a:t> with the highest average property price.</a:t>
             </a:r>
-            <a:endParaRPr lang="en-IN" sz="6800" kern="100" dirty="0">
-              <a:effectLst/>
-              <a:latin typeface="Calibri" panose="020F0502020204030204" pitchFamily="34" charset="0"/>
-              <a:ea typeface="Calibri" panose="020F0502020204030204" pitchFamily="34" charset="0"/>
-              <a:cs typeface="Times New Roman" panose="02020603050405020304" pitchFamily="18" charset="0"/>
-            </a:endParaRPr>
           </a:p>
           <a:p>
             <a:pPr marL="342900" lvl="0" indent="-342900" algn="just">
@@ -9279,12 +9555,6 @@
               </a:rPr>
               <a:t> than non-waterfront ones.</a:t>
             </a:r>
-            <a:endParaRPr lang="en-IN" sz="6800" kern="100" dirty="0">
-              <a:effectLst/>
-              <a:latin typeface="Calibri" panose="020F0502020204030204" pitchFamily="34" charset="0"/>
-              <a:ea typeface="Calibri" panose="020F0502020204030204" pitchFamily="34" charset="0"/>
-              <a:cs typeface="Times New Roman" panose="02020603050405020304" pitchFamily="18" charset="0"/>
-            </a:endParaRPr>
           </a:p>
           <a:p>
             <a:pPr marL="342900" lvl="0" indent="-342900" algn="just">
@@ -9319,12 +9589,6 @@
               </a:rPr>
               <a:t> The most frequent type of property is 4 bedrooms with 2.5 bathrooms (572 properties).</a:t>
             </a:r>
-            <a:endParaRPr lang="en-IN" sz="6800" kern="100" dirty="0">
-              <a:effectLst/>
-              <a:latin typeface="Calibri" panose="020F0502020204030204" pitchFamily="34" charset="0"/>
-              <a:ea typeface="Calibri" panose="020F0502020204030204" pitchFamily="34" charset="0"/>
-              <a:cs typeface="Times New Roman" panose="02020603050405020304" pitchFamily="18" charset="0"/>
-            </a:endParaRPr>
           </a:p>
           <a:p>
             <a:pPr algn="just">
@@ -9344,12 +9608,6 @@
               </a:rPr>
               <a:t> </a:t>
             </a:r>
-            <a:endParaRPr lang="en-IN" sz="1800" kern="100" dirty="0">
-              <a:effectLst/>
-              <a:latin typeface="Calibri" panose="020F0502020204030204" pitchFamily="34" charset="0"/>
-              <a:ea typeface="Calibri" panose="020F0502020204030204" pitchFamily="34" charset="0"/>
-              <a:cs typeface="Times New Roman" panose="02020603050405020304" pitchFamily="18" charset="0"/>
-            </a:endParaRPr>
           </a:p>
         </p:txBody>
       </p:sp>
@@ -9400,7 +9658,10 @@
           <a:lstStyle/>
           <a:p>
             <a:r>
-              <a:rPr lang="en-IN" dirty="0"/>
+              <a:rPr lang="en-IN" dirty="0">
+                <a:latin typeface="Times New Roman" panose="02020603050405020304" pitchFamily="18" charset="0"/>
+                <a:cs typeface="Times New Roman" panose="02020603050405020304" pitchFamily="18" charset="0"/>
+              </a:rPr>
               <a:t>Recommendations</a:t>
             </a:r>
           </a:p>
@@ -9453,7 +9714,7 @@
             </a:r>
             <a:endParaRPr lang="en-IN" sz="2400" kern="100" dirty="0">
               <a:effectLst/>
-              <a:latin typeface="Calibri" panose="020F0502020204030204" pitchFamily="34" charset="0"/>
+              <a:latin typeface="Times New Roman" panose="02020603050405020304" pitchFamily="18" charset="0"/>
               <a:ea typeface="Calibri" panose="020F0502020204030204" pitchFamily="34" charset="0"/>
               <a:cs typeface="Times New Roman" panose="02020603050405020304" pitchFamily="18" charset="0"/>
             </a:endParaRPr>
@@ -9488,12 +9749,6 @@
               </a:rPr>
               <a:t> for premium property development due to its highest average prices.</a:t>
             </a:r>
-            <a:endParaRPr lang="en-IN" sz="2400" kern="100" dirty="0">
-              <a:effectLst/>
-              <a:latin typeface="Calibri" panose="020F0502020204030204" pitchFamily="34" charset="0"/>
-              <a:ea typeface="Calibri" panose="020F0502020204030204" pitchFamily="34" charset="0"/>
-              <a:cs typeface="Times New Roman" panose="02020603050405020304" pitchFamily="18" charset="0"/>
-            </a:endParaRPr>
           </a:p>
           <a:p>
             <a:pPr marL="342900" lvl="0" indent="-342900" algn="just">
@@ -9525,12 +9780,6 @@
               </a:rPr>
               <a:t>, as they offer the best price-to-size ratio.</a:t>
             </a:r>
-            <a:endParaRPr lang="en-IN" sz="2400" kern="100" dirty="0">
-              <a:effectLst/>
-              <a:latin typeface="Calibri" panose="020F0502020204030204" pitchFamily="34" charset="0"/>
-              <a:ea typeface="Calibri" panose="020F0502020204030204" pitchFamily="34" charset="0"/>
-              <a:cs typeface="Times New Roman" panose="02020603050405020304" pitchFamily="18" charset="0"/>
-            </a:endParaRPr>
           </a:p>
           <a:p>
             <a:pPr marL="342900" lvl="0" indent="-342900" algn="just">
@@ -9562,12 +9811,6 @@
               </a:rPr>
               <a:t>, since they command significantly higher prices.</a:t>
             </a:r>
-            <a:endParaRPr lang="en-IN" sz="2400" kern="100" dirty="0">
-              <a:effectLst/>
-              <a:latin typeface="Calibri" panose="020F0502020204030204" pitchFamily="34" charset="0"/>
-              <a:ea typeface="Calibri" panose="020F0502020204030204" pitchFamily="34" charset="0"/>
-              <a:cs typeface="Times New Roman" panose="02020603050405020304" pitchFamily="18" charset="0"/>
-            </a:endParaRPr>
           </a:p>
           <a:p>
             <a:pPr marL="342900" lvl="0" indent="-342900" algn="just">
@@ -9599,12 +9842,6 @@
               </a:rPr>
               <a:t> to boost property value.</a:t>
             </a:r>
-            <a:endParaRPr lang="en-IN" sz="2400" kern="100" dirty="0">
-              <a:effectLst/>
-              <a:latin typeface="Calibri" panose="020F0502020204030204" pitchFamily="34" charset="0"/>
-              <a:ea typeface="Calibri" panose="020F0502020204030204" pitchFamily="34" charset="0"/>
-              <a:cs typeface="Times New Roman" panose="02020603050405020304" pitchFamily="18" charset="0"/>
-            </a:endParaRPr>
           </a:p>
           <a:p>
             <a:pPr marL="342900" lvl="0" indent="-342900" algn="just">
@@ -9639,15 +9876,12 @@
               </a:rPr>
               <a:t>, as higher view scores are linked to higher prices.</a:t>
             </a:r>
-            <a:endParaRPr lang="en-IN" sz="2400" kern="100" dirty="0">
-              <a:effectLst/>
-              <a:latin typeface="Calibri" panose="020F0502020204030204" pitchFamily="34" charset="0"/>
-              <a:ea typeface="Calibri" panose="020F0502020204030204" pitchFamily="34" charset="0"/>
+          </a:p>
+          <a:p>
+            <a:endParaRPr lang="en-IN" dirty="0">
+              <a:latin typeface="Times New Roman" panose="02020603050405020304" pitchFamily="18" charset="0"/>
               <a:cs typeface="Times New Roman" panose="02020603050405020304" pitchFamily="18" charset="0"/>
             </a:endParaRPr>
-          </a:p>
-          <a:p>
-            <a:endParaRPr lang="en-IN" dirty="0"/>
           </a:p>
         </p:txBody>
       </p:sp>
@@ -9697,7 +9931,10 @@
           <a:lstStyle/>
           <a:p>
             <a:r>
-              <a:rPr dirty="0"/>
+              <a:rPr dirty="0">
+                <a:latin typeface="Times New Roman" panose="02020603050405020304" pitchFamily="18" charset="0"/>
+                <a:cs typeface="Times New Roman" panose="02020603050405020304" pitchFamily="18" charset="0"/>
+              </a:rPr>
               <a:t>Introduction</a:t>
             </a:r>
           </a:p>
@@ -9802,6 +10039,10 @@
           <a:lstStyle/>
           <a:p>
             <a:r>
+              <a:rPr>
+                <a:latin typeface="Times New Roman" panose="02020603050405020304" pitchFamily="18" charset="0"/>
+                <a:cs typeface="Times New Roman" panose="02020603050405020304" pitchFamily="18" charset="0"/>
+              </a:rPr>
               <a:t>Data Understanding</a:t>
             </a:r>
           </a:p>
@@ -9879,6 +10120,186 @@
           </a:p>
         </p:txBody>
       </p:sp>
+      <p:pic>
+        <p:nvPicPr>
+          <p:cNvPr id="3074" name="Picture 1">
+            <a:extLst>
+              <a:ext uri="{FF2B5EF4-FFF2-40B4-BE49-F238E27FC236}">
+                <a16:creationId xmlns:a16="http://schemas.microsoft.com/office/drawing/2014/main" id="{3CE00C66-F58B-7C60-C1D8-006991D499E9}"/>
+              </a:ext>
+            </a:extLst>
+          </p:cNvPr>
+          <p:cNvPicPr>
+            <a:picLocks noChangeAspect="1" noChangeArrowheads="1"/>
+          </p:cNvPicPr>
+          <p:nvPr/>
+        </p:nvPicPr>
+        <p:blipFill>
+          <a:blip r:embed="rId2">
+            <a:extLst>
+              <a:ext uri="{28A0092B-C50C-407E-A947-70E740481C1C}">
+                <a14:useLocalDpi xmlns:a14="http://schemas.microsoft.com/office/drawing/2010/main" val="0"/>
+              </a:ext>
+            </a:extLst>
+          </a:blip>
+          <a:srcRect/>
+          <a:stretch>
+            <a:fillRect/>
+          </a:stretch>
+        </p:blipFill>
+        <p:spPr bwMode="auto">
+          <a:xfrm>
+            <a:off x="339804" y="3813125"/>
+            <a:ext cx="1351961" cy="2776144"/>
+          </a:xfrm>
+          <a:prstGeom prst="rect">
+            <a:avLst/>
+          </a:prstGeom>
+          <a:noFill/>
+          <a:ln>
+            <a:noFill/>
+          </a:ln>
+          <a:extLst>
+            <a:ext uri="{909E8E84-426E-40DD-AFC4-6F175D3DCCD1}">
+              <a14:hiddenFill xmlns:a14="http://schemas.microsoft.com/office/drawing/2010/main">
+                <a:solidFill>
+                  <a:srgbClr val="FFFFFF"/>
+                </a:solidFill>
+              </a14:hiddenFill>
+            </a:ext>
+            <a:ext uri="{91240B29-F687-4F45-9708-019B960494DF}">
+              <a14:hiddenLine xmlns:a14="http://schemas.microsoft.com/office/drawing/2010/main" w="9525">
+                <a:solidFill>
+                  <a:srgbClr val="000000"/>
+                </a:solidFill>
+                <a:miter lim="800000"/>
+                <a:headEnd/>
+                <a:tailEnd/>
+              </a14:hiddenLine>
+            </a:ext>
+          </a:extLst>
+        </p:spPr>
+      </p:pic>
+      <p:pic>
+        <p:nvPicPr>
+          <p:cNvPr id="3075" name="Picture 1">
+            <a:extLst>
+              <a:ext uri="{FF2B5EF4-FFF2-40B4-BE49-F238E27FC236}">
+                <a16:creationId xmlns:a16="http://schemas.microsoft.com/office/drawing/2014/main" id="{C1DF0E6E-4E73-6D20-3995-E6C367202769}"/>
+              </a:ext>
+            </a:extLst>
+          </p:cNvPr>
+          <p:cNvPicPr>
+            <a:picLocks noChangeAspect="1" noChangeArrowheads="1"/>
+          </p:cNvPicPr>
+          <p:nvPr/>
+        </p:nvPicPr>
+        <p:blipFill>
+          <a:blip r:embed="rId3">
+            <a:extLst>
+              <a:ext uri="{28A0092B-C50C-407E-A947-70E740481C1C}">
+                <a14:useLocalDpi xmlns:a14="http://schemas.microsoft.com/office/drawing/2010/main" val="0"/>
+              </a:ext>
+            </a:extLst>
+          </a:blip>
+          <a:srcRect/>
+          <a:stretch>
+            <a:fillRect/>
+          </a:stretch>
+        </p:blipFill>
+        <p:spPr bwMode="auto">
+          <a:xfrm>
+            <a:off x="1830474" y="3813125"/>
+            <a:ext cx="2007910" cy="2794865"/>
+          </a:xfrm>
+          <a:prstGeom prst="rect">
+            <a:avLst/>
+          </a:prstGeom>
+          <a:noFill/>
+          <a:ln>
+            <a:noFill/>
+          </a:ln>
+          <a:extLst>
+            <a:ext uri="{909E8E84-426E-40DD-AFC4-6F175D3DCCD1}">
+              <a14:hiddenFill xmlns:a14="http://schemas.microsoft.com/office/drawing/2010/main">
+                <a:solidFill>
+                  <a:srgbClr val="FFFFFF"/>
+                </a:solidFill>
+              </a14:hiddenFill>
+            </a:ext>
+            <a:ext uri="{91240B29-F687-4F45-9708-019B960494DF}">
+              <a14:hiddenLine xmlns:a14="http://schemas.microsoft.com/office/drawing/2010/main" w="9525">
+                <a:solidFill>
+                  <a:srgbClr val="000000"/>
+                </a:solidFill>
+                <a:miter lim="800000"/>
+                <a:headEnd/>
+                <a:tailEnd/>
+              </a14:hiddenLine>
+            </a:ext>
+          </a:extLst>
+        </p:spPr>
+      </p:pic>
+      <p:pic>
+        <p:nvPicPr>
+          <p:cNvPr id="3076" name="Picture 1">
+            <a:extLst>
+              <a:ext uri="{FF2B5EF4-FFF2-40B4-BE49-F238E27FC236}">
+                <a16:creationId xmlns:a16="http://schemas.microsoft.com/office/drawing/2014/main" id="{FC705AEB-0ABA-B05E-4741-BDEAB26D4EC0}"/>
+              </a:ext>
+            </a:extLst>
+          </p:cNvPr>
+          <p:cNvPicPr>
+            <a:picLocks noChangeAspect="1" noChangeArrowheads="1"/>
+          </p:cNvPicPr>
+          <p:nvPr/>
+        </p:nvPicPr>
+        <p:blipFill>
+          <a:blip r:embed="rId4">
+            <a:extLst>
+              <a:ext uri="{28A0092B-C50C-407E-A947-70E740481C1C}">
+                <a14:useLocalDpi xmlns:a14="http://schemas.microsoft.com/office/drawing/2010/main" val="0"/>
+              </a:ext>
+            </a:extLst>
+          </a:blip>
+          <a:srcRect/>
+          <a:stretch>
+            <a:fillRect/>
+          </a:stretch>
+        </p:blipFill>
+        <p:spPr bwMode="auto">
+          <a:xfrm>
+            <a:off x="3977094" y="4985407"/>
+            <a:ext cx="4943360" cy="1593850"/>
+          </a:xfrm>
+          <a:prstGeom prst="rect">
+            <a:avLst/>
+          </a:prstGeom>
+          <a:noFill/>
+          <a:ln>
+            <a:noFill/>
+          </a:ln>
+          <a:extLst>
+            <a:ext uri="{909E8E84-426E-40DD-AFC4-6F175D3DCCD1}">
+              <a14:hiddenFill xmlns:a14="http://schemas.microsoft.com/office/drawing/2010/main">
+                <a:solidFill>
+                  <a:srgbClr val="FFFFFF"/>
+                </a:solidFill>
+              </a14:hiddenFill>
+            </a:ext>
+            <a:ext uri="{91240B29-F687-4F45-9708-019B960494DF}">
+              <a14:hiddenLine xmlns:a14="http://schemas.microsoft.com/office/drawing/2010/main" w="9525">
+                <a:solidFill>
+                  <a:srgbClr val="000000"/>
+                </a:solidFill>
+                <a:miter lim="800000"/>
+                <a:headEnd/>
+                <a:tailEnd/>
+              </a14:hiddenLine>
+            </a:ext>
+          </a:extLst>
+        </p:spPr>
+      </p:pic>
     </p:spTree>
   </p:cSld>
   <p:clrMapOvr>
@@ -9920,6 +10341,10 @@
           <a:lstStyle/>
           <a:p>
             <a:r>
+              <a:rPr>
+                <a:latin typeface="Times New Roman" panose="02020603050405020304" pitchFamily="18" charset="0"/>
+                <a:cs typeface="Times New Roman" panose="02020603050405020304" pitchFamily="18" charset="0"/>
+              </a:rPr>
               <a:t>Data Cleaning</a:t>
             </a:r>
           </a:p>
@@ -10257,6 +10682,8 @@
                 <a:solidFill>
                   <a:srgbClr val="000000"/>
                 </a:solidFill>
+                <a:latin typeface="Times New Roman" panose="02020603050405020304" pitchFamily="18" charset="0"/>
+                <a:cs typeface="Times New Roman" panose="02020603050405020304" pitchFamily="18" charset="0"/>
               </a:rPr>
               <a:t>Address inconsistencies </a:t>
             </a:r>
@@ -10275,6 +10702,8 @@
                 <a:solidFill>
                   <a:srgbClr val="000000"/>
                 </a:solidFill>
+                <a:latin typeface="Times New Roman" panose="02020603050405020304" pitchFamily="18" charset="0"/>
+                <a:cs typeface="Times New Roman" panose="02020603050405020304" pitchFamily="18" charset="0"/>
               </a:rPr>
               <a:t>Handle categorical variables </a:t>
             </a:r>
@@ -10284,6 +10713,8 @@
               <a:solidFill>
                 <a:srgbClr val="000000"/>
               </a:solidFill>
+              <a:latin typeface="Times New Roman" panose="02020603050405020304" pitchFamily="18" charset="0"/>
+              <a:cs typeface="Times New Roman" panose="02020603050405020304" pitchFamily="18" charset="0"/>
             </a:endParaRPr>
           </a:p>
           <a:p>
@@ -10386,7 +10817,10 @@
           <a:lstStyle/>
           <a:p>
             <a:r>
-              <a:rPr dirty="0"/>
+              <a:rPr dirty="0">
+                <a:latin typeface="Times New Roman" panose="02020603050405020304" pitchFamily="18" charset="0"/>
+                <a:cs typeface="Times New Roman" panose="02020603050405020304" pitchFamily="18" charset="0"/>
+              </a:rPr>
               <a:t>Handling Missing Values</a:t>
             </a:r>
           </a:p>
@@ -10402,7 +10836,12 @@
             <p:ph idx="1"/>
           </p:nvPr>
         </p:nvSpPr>
-        <p:spPr/>
+        <p:spPr>
+          <a:xfrm>
+            <a:off x="533401" y="2336873"/>
+            <a:ext cx="3674238" cy="3599316"/>
+          </a:xfrm>
+        </p:spPr>
         <p:txBody>
           <a:bodyPr>
             <a:normAutofit/>
@@ -10482,6 +10921,36 @@
           </a:p>
         </p:txBody>
       </p:sp>
+      <p:pic>
+        <p:nvPicPr>
+          <p:cNvPr id="5" name="Picture 4">
+            <a:extLst>
+              <a:ext uri="{FF2B5EF4-FFF2-40B4-BE49-F238E27FC236}">
+                <a16:creationId xmlns:a16="http://schemas.microsoft.com/office/drawing/2014/main" id="{66DD2C44-4BDE-9B3F-2C00-63C9A28AFF27}"/>
+              </a:ext>
+            </a:extLst>
+          </p:cNvPr>
+          <p:cNvPicPr>
+            <a:picLocks noChangeAspect="1"/>
+          </p:cNvPicPr>
+          <p:nvPr/>
+        </p:nvPicPr>
+        <p:blipFill>
+          <a:blip r:embed="rId2"/>
+          <a:stretch>
+            <a:fillRect/>
+          </a:stretch>
+        </p:blipFill>
+        <p:spPr>
+          <a:xfrm>
+            <a:off x="4207639" y="2441273"/>
+            <a:ext cx="4776232" cy="3663499"/>
+          </a:xfrm>
+          <a:prstGeom prst="rect">
+            <a:avLst/>
+          </a:prstGeom>
+        </p:spPr>
+      </p:pic>
     </p:spTree>
   </p:cSld>
   <p:clrMapOvr>
@@ -10523,6 +10992,10 @@
           <a:lstStyle/>
           <a:p>
             <a:r>
+              <a:rPr>
+                <a:latin typeface="Times New Roman" panose="02020603050405020304" pitchFamily="18" charset="0"/>
+                <a:cs typeface="Times New Roman" panose="02020603050405020304" pitchFamily="18" charset="0"/>
+              </a:rPr>
               <a:t>Outlier Handling</a:t>
             </a:r>
           </a:p>
@@ -10561,10 +11034,43 @@
             </a:r>
           </a:p>
           <a:p>
-            <a:endParaRPr dirty="0"/>
-          </a:p>
-        </p:txBody>
-      </p:sp>
+            <a:endParaRPr dirty="0">
+              <a:latin typeface="Times New Roman" panose="02020603050405020304" pitchFamily="18" charset="0"/>
+              <a:cs typeface="Times New Roman" panose="02020603050405020304" pitchFamily="18" charset="0"/>
+            </a:endParaRPr>
+          </a:p>
+        </p:txBody>
+      </p:sp>
+      <p:pic>
+        <p:nvPicPr>
+          <p:cNvPr id="7" name="Picture 6">
+            <a:extLst>
+              <a:ext uri="{FF2B5EF4-FFF2-40B4-BE49-F238E27FC236}">
+                <a16:creationId xmlns:a16="http://schemas.microsoft.com/office/drawing/2014/main" id="{F9587110-8CA8-84CD-BC0A-583916CE014C}"/>
+              </a:ext>
+            </a:extLst>
+          </p:cNvPr>
+          <p:cNvPicPr>
+            <a:picLocks noChangeAspect="1"/>
+          </p:cNvPicPr>
+          <p:nvPr/>
+        </p:nvPicPr>
+        <p:blipFill>
+          <a:blip r:embed="rId2"/>
+          <a:stretch>
+            <a:fillRect/>
+          </a:stretch>
+        </p:blipFill>
+        <p:spPr>
+          <a:xfrm>
+            <a:off x="728615" y="3429000"/>
+            <a:ext cx="6496957" cy="3162741"/>
+          </a:xfrm>
+          <a:prstGeom prst="rect">
+            <a:avLst/>
+          </a:prstGeom>
+        </p:spPr>
+      </p:pic>
     </p:spTree>
   </p:cSld>
   <p:clrMapOvr>
@@ -10606,6 +11112,10 @@
           <a:lstStyle/>
           <a:p>
             <a:r>
+              <a:rPr dirty="0">
+                <a:latin typeface="Times New Roman" panose="02020603050405020304" pitchFamily="18" charset="0"/>
+                <a:cs typeface="Times New Roman" panose="02020603050405020304" pitchFamily="18" charset="0"/>
+              </a:rPr>
               <a:t>Handling Invalid Values</a:t>
             </a:r>
           </a:p>
@@ -10621,7 +11131,12 @@
             <p:ph idx="1"/>
           </p:nvPr>
         </p:nvSpPr>
-        <p:spPr/>
+        <p:spPr>
+          <a:xfrm>
+            <a:off x="533400" y="2336873"/>
+            <a:ext cx="7479384" cy="3599316"/>
+          </a:xfrm>
+        </p:spPr>
         <p:txBody>
           <a:bodyPr>
             <a:normAutofit/>
@@ -10647,6 +11162,36 @@
           </a:p>
         </p:txBody>
       </p:sp>
+      <p:pic>
+        <p:nvPicPr>
+          <p:cNvPr id="5" name="Picture 4">
+            <a:extLst>
+              <a:ext uri="{FF2B5EF4-FFF2-40B4-BE49-F238E27FC236}">
+                <a16:creationId xmlns:a16="http://schemas.microsoft.com/office/drawing/2014/main" id="{4CAA017F-A62F-CAA4-6C13-2FECE4A47ECE}"/>
+              </a:ext>
+            </a:extLst>
+          </p:cNvPr>
+          <p:cNvPicPr>
+            <a:picLocks noChangeAspect="1"/>
+          </p:cNvPicPr>
+          <p:nvPr/>
+        </p:nvPicPr>
+        <p:blipFill>
+          <a:blip r:embed="rId2"/>
+          <a:stretch>
+            <a:fillRect/>
+          </a:stretch>
+        </p:blipFill>
+        <p:spPr>
+          <a:xfrm>
+            <a:off x="600942" y="3362682"/>
+            <a:ext cx="7317573" cy="3188704"/>
+          </a:xfrm>
+          <a:prstGeom prst="rect">
+            <a:avLst/>
+          </a:prstGeom>
+        </p:spPr>
+      </p:pic>
     </p:spTree>
   </p:cSld>
   <p:clrMapOvr>
@@ -10682,12 +11227,21 @@
             <p:ph type="title"/>
           </p:nvPr>
         </p:nvSpPr>
-        <p:spPr/>
+        <p:spPr>
+          <a:xfrm>
+            <a:off x="531639" y="753228"/>
+            <a:ext cx="8140628" cy="1080938"/>
+          </a:xfrm>
+        </p:spPr>
         <p:txBody>
           <a:bodyPr/>
           <a:lstStyle/>
           <a:p>
             <a:r>
+              <a:rPr>
+                <a:latin typeface="Times New Roman" panose="02020603050405020304" pitchFamily="18" charset="0"/>
+                <a:cs typeface="Times New Roman" panose="02020603050405020304" pitchFamily="18" charset="0"/>
+              </a:rPr>
               <a:t>Statistical Analysis</a:t>
             </a:r>
           </a:p>
@@ -10703,19 +11257,30 @@
             <p:ph idx="1"/>
           </p:nvPr>
         </p:nvSpPr>
-        <p:spPr/>
+        <p:spPr>
+          <a:xfrm>
+            <a:off x="533400" y="2336873"/>
+            <a:ext cx="8129833" cy="3599316"/>
+          </a:xfrm>
+        </p:spPr>
         <p:txBody>
           <a:bodyPr/>
           <a:lstStyle/>
           <a:p>
             <a:r>
-              <a:rPr lang="en-US" dirty="0"/>
+              <a:rPr lang="en-US" dirty="0">
+                <a:latin typeface="Times New Roman" panose="02020603050405020304" pitchFamily="18" charset="0"/>
+                <a:cs typeface="Times New Roman" panose="02020603050405020304" pitchFamily="18" charset="0"/>
+              </a:rPr>
               <a:t>Used descriptive and inferential statistics.</a:t>
             </a:r>
           </a:p>
           <a:p>
             <a:r>
-              <a:rPr lang="en-IN" dirty="0"/>
+              <a:rPr lang="en-IN" dirty="0">
+                <a:latin typeface="Times New Roman" panose="02020603050405020304" pitchFamily="18" charset="0"/>
+                <a:cs typeface="Times New Roman" panose="02020603050405020304" pitchFamily="18" charset="0"/>
+              </a:rPr>
               <a:t>Conducted:</a:t>
             </a:r>
           </a:p>
@@ -10724,7 +11289,10 @@
               <a:buNone/>
             </a:pPr>
             <a:r>
-              <a:rPr lang="en-US" dirty="0"/>
+              <a:rPr lang="en-US" dirty="0">
+                <a:latin typeface="Times New Roman" panose="02020603050405020304" pitchFamily="18" charset="0"/>
+                <a:cs typeface="Times New Roman" panose="02020603050405020304" pitchFamily="18" charset="0"/>
+              </a:rPr>
               <a:t>T-tests to check price difference based on attic presence</a:t>
             </a:r>
           </a:p>
@@ -10733,15 +11301,81 @@
               <a:buNone/>
             </a:pPr>
             <a:r>
-              <a:rPr lang="en-US" dirty="0"/>
+              <a:rPr lang="en-US" dirty="0">
+                <a:latin typeface="Times New Roman" panose="02020603050405020304" pitchFamily="18" charset="0"/>
+                <a:cs typeface="Times New Roman" panose="02020603050405020304" pitchFamily="18" charset="0"/>
+              </a:rPr>
               <a:t>Chi-square tests to check categorical relationships (e.g., view and attic)</a:t>
             </a:r>
           </a:p>
           <a:p>
-            <a:endParaRPr lang="en-IN" dirty="0"/>
-          </a:p>
-        </p:txBody>
-      </p:sp>
+            <a:endParaRPr lang="en-IN" dirty="0">
+              <a:latin typeface="Times New Roman" panose="02020603050405020304" pitchFamily="18" charset="0"/>
+              <a:cs typeface="Times New Roman" panose="02020603050405020304" pitchFamily="18" charset="0"/>
+            </a:endParaRPr>
+          </a:p>
+        </p:txBody>
+      </p:sp>
+      <p:pic>
+        <p:nvPicPr>
+          <p:cNvPr id="6" name="Picture 5">
+            <a:extLst>
+              <a:ext uri="{FF2B5EF4-FFF2-40B4-BE49-F238E27FC236}">
+                <a16:creationId xmlns:a16="http://schemas.microsoft.com/office/drawing/2014/main" id="{25B45E91-2D36-2F14-8D45-BCE8E4964B08}"/>
+              </a:ext>
+            </a:extLst>
+          </p:cNvPr>
+          <p:cNvPicPr>
+            <a:picLocks noChangeAspect="1"/>
+          </p:cNvPicPr>
+          <p:nvPr/>
+        </p:nvPicPr>
+        <p:blipFill>
+          <a:blip r:embed="rId2"/>
+          <a:stretch>
+            <a:fillRect/>
+          </a:stretch>
+        </p:blipFill>
+        <p:spPr>
+          <a:xfrm>
+            <a:off x="3055494" y="4319470"/>
+            <a:ext cx="5182323" cy="971686"/>
+          </a:xfrm>
+          <a:prstGeom prst="rect">
+            <a:avLst/>
+          </a:prstGeom>
+        </p:spPr>
+      </p:pic>
+      <p:pic>
+        <p:nvPicPr>
+          <p:cNvPr id="10" name="Picture 9">
+            <a:extLst>
+              <a:ext uri="{FF2B5EF4-FFF2-40B4-BE49-F238E27FC236}">
+                <a16:creationId xmlns:a16="http://schemas.microsoft.com/office/drawing/2014/main" id="{0206B4B3-F96B-3C9B-E3EC-7CBCCCD9030F}"/>
+              </a:ext>
+            </a:extLst>
+          </p:cNvPr>
+          <p:cNvPicPr>
+            <a:picLocks noChangeAspect="1"/>
+          </p:cNvPicPr>
+          <p:nvPr/>
+        </p:nvPicPr>
+        <p:blipFill>
+          <a:blip r:embed="rId3"/>
+          <a:stretch>
+            <a:fillRect/>
+          </a:stretch>
+        </p:blipFill>
+        <p:spPr>
+          <a:xfrm>
+            <a:off x="3055494" y="5576060"/>
+            <a:ext cx="5468113" cy="1057423"/>
+          </a:xfrm>
+          <a:prstGeom prst="rect">
+            <a:avLst/>
+          </a:prstGeom>
+        </p:spPr>
+      </p:pic>
     </p:spTree>
   </p:cSld>
   <p:clrMapOvr>
@@ -10777,12 +11411,21 @@
             <p:ph type="title"/>
           </p:nvPr>
         </p:nvSpPr>
-        <p:spPr/>
+        <p:spPr>
+          <a:xfrm>
+            <a:off x="531638" y="753228"/>
+            <a:ext cx="7706419" cy="1080938"/>
+          </a:xfrm>
+        </p:spPr>
         <p:txBody>
           <a:bodyPr/>
           <a:lstStyle/>
           <a:p>
             <a:r>
+              <a:rPr dirty="0">
+                <a:latin typeface="Times New Roman" panose="02020603050405020304" pitchFamily="18" charset="0"/>
+                <a:cs typeface="Times New Roman" panose="02020603050405020304" pitchFamily="18" charset="0"/>
+              </a:rPr>
               <a:t>Descriptive Analysis</a:t>
             </a:r>
           </a:p>
@@ -10798,13 +11441,21 @@
             <p:ph idx="1"/>
           </p:nvPr>
         </p:nvSpPr>
-        <p:spPr/>
+        <p:spPr>
+          <a:xfrm>
+            <a:off x="533400" y="2336873"/>
+            <a:ext cx="7696200" cy="3599316"/>
+          </a:xfrm>
+        </p:spPr>
         <p:txBody>
           <a:bodyPr/>
           <a:lstStyle/>
           <a:p>
             <a:r>
-              <a:rPr lang="en-US" dirty="0"/>
+              <a:rPr lang="en-US" dirty="0">
+                <a:latin typeface="Times New Roman" panose="02020603050405020304" pitchFamily="18" charset="0"/>
+                <a:cs typeface="Times New Roman" panose="02020603050405020304" pitchFamily="18" charset="0"/>
+              </a:rPr>
               <a:t>Summary statistics for all key variables:</a:t>
             </a:r>
           </a:p>
@@ -10813,46 +11464,136 @@
               <a:buNone/>
             </a:pPr>
             <a:r>
-              <a:rPr lang="en-IN" dirty="0"/>
+              <a:rPr lang="en-IN" dirty="0">
+                <a:latin typeface="Times New Roman" panose="02020603050405020304" pitchFamily="18" charset="0"/>
+                <a:cs typeface="Times New Roman" panose="02020603050405020304" pitchFamily="18" charset="0"/>
+              </a:rPr>
               <a:t>Count, Mean, Std Dev, Min, 25%, Median, 75%, Max</a:t>
             </a:r>
           </a:p>
           <a:p>
             <a:r>
-              <a:rPr dirty="0"/>
+              <a:rPr dirty="0">
+                <a:latin typeface="Times New Roman" panose="02020603050405020304" pitchFamily="18" charset="0"/>
+                <a:cs typeface="Times New Roman" panose="02020603050405020304" pitchFamily="18" charset="0"/>
+              </a:rPr>
               <a:t> Visual</a:t>
             </a:r>
             <a:r>
-              <a:rPr lang="en-IN" dirty="0"/>
+              <a:rPr lang="en-IN" dirty="0">
+                <a:latin typeface="Times New Roman" panose="02020603050405020304" pitchFamily="18" charset="0"/>
+                <a:cs typeface="Times New Roman" panose="02020603050405020304" pitchFamily="18" charset="0"/>
+              </a:rPr>
               <a:t>s :</a:t>
             </a:r>
             <a:r>
-              <a:rPr dirty="0"/>
+              <a:rPr dirty="0">
+                <a:latin typeface="Times New Roman" panose="02020603050405020304" pitchFamily="18" charset="0"/>
+                <a:cs typeface="Times New Roman" panose="02020603050405020304" pitchFamily="18" charset="0"/>
+              </a:rPr>
               <a:t> </a:t>
             </a:r>
             <a:r>
-              <a:rPr lang="en-US" dirty="0"/>
+              <a:rPr lang="en-US" dirty="0">
+                <a:latin typeface="Times New Roman" panose="02020603050405020304" pitchFamily="18" charset="0"/>
+                <a:cs typeface="Times New Roman" panose="02020603050405020304" pitchFamily="18" charset="0"/>
+              </a:rPr>
               <a:t>Histogram, Boxplot for price, </a:t>
             </a:r>
             <a:r>
-              <a:rPr lang="en-US" dirty="0" err="1"/>
+              <a:rPr lang="en-US" dirty="0" err="1">
+                <a:latin typeface="Times New Roman" panose="02020603050405020304" pitchFamily="18" charset="0"/>
+                <a:cs typeface="Times New Roman" panose="02020603050405020304" pitchFamily="18" charset="0"/>
+              </a:rPr>
               <a:t>sqft</a:t>
             </a:r>
             <a:r>
-              <a:rPr lang="en-US" dirty="0"/>
+              <a:rPr lang="en-US" dirty="0">
+                <a:latin typeface="Times New Roman" panose="02020603050405020304" pitchFamily="18" charset="0"/>
+                <a:cs typeface="Times New Roman" panose="02020603050405020304" pitchFamily="18" charset="0"/>
+              </a:rPr>
               <a:t>, condition, </a:t>
             </a:r>
             <a:r>
-              <a:rPr lang="en-US" dirty="0" err="1"/>
+              <a:rPr lang="en-US" dirty="0" err="1">
+                <a:latin typeface="Times New Roman" panose="02020603050405020304" pitchFamily="18" charset="0"/>
+                <a:cs typeface="Times New Roman" panose="02020603050405020304" pitchFamily="18" charset="0"/>
+              </a:rPr>
               <a:t>etc</a:t>
             </a:r>
-            <a:endParaRPr lang="en-US" dirty="0"/>
-          </a:p>
-          <a:p>
-            <a:endParaRPr dirty="0"/>
-          </a:p>
-        </p:txBody>
-      </p:sp>
+            <a:endParaRPr lang="en-US" dirty="0">
+              <a:latin typeface="Times New Roman" panose="02020603050405020304" pitchFamily="18" charset="0"/>
+              <a:cs typeface="Times New Roman" panose="02020603050405020304" pitchFamily="18" charset="0"/>
+            </a:endParaRPr>
+          </a:p>
+          <a:p>
+            <a:endParaRPr dirty="0">
+              <a:latin typeface="Times New Roman" panose="02020603050405020304" pitchFamily="18" charset="0"/>
+              <a:cs typeface="Times New Roman" panose="02020603050405020304" pitchFamily="18" charset="0"/>
+            </a:endParaRPr>
+          </a:p>
+        </p:txBody>
+      </p:sp>
+      <p:pic>
+        <p:nvPicPr>
+          <p:cNvPr id="4098" name="Picture 1">
+            <a:extLst>
+              <a:ext uri="{FF2B5EF4-FFF2-40B4-BE49-F238E27FC236}">
+                <a16:creationId xmlns:a16="http://schemas.microsoft.com/office/drawing/2014/main" id="{10525ED9-EB1F-6AAF-9DA8-E534BA2E1FED}"/>
+              </a:ext>
+            </a:extLst>
+          </p:cNvPr>
+          <p:cNvPicPr>
+            <a:picLocks noChangeAspect="1" noChangeArrowheads="1"/>
+          </p:cNvPicPr>
+          <p:nvPr/>
+        </p:nvPicPr>
+        <p:blipFill>
+          <a:blip r:embed="rId2">
+            <a:extLst>
+              <a:ext uri="{28A0092B-C50C-407E-A947-70E740481C1C}">
+                <a14:useLocalDpi xmlns:a14="http://schemas.microsoft.com/office/drawing/2010/main" val="0"/>
+              </a:ext>
+            </a:extLst>
+          </a:blip>
+          <a:srcRect/>
+          <a:stretch>
+            <a:fillRect/>
+          </a:stretch>
+        </p:blipFill>
+        <p:spPr bwMode="auto">
+          <a:xfrm>
+            <a:off x="1106111" y="3984380"/>
+            <a:ext cx="6597301" cy="2558211"/>
+          </a:xfrm>
+          <a:prstGeom prst="rect">
+            <a:avLst/>
+          </a:prstGeom>
+          <a:noFill/>
+          <a:ln>
+            <a:noFill/>
+          </a:ln>
+          <a:extLst>
+            <a:ext uri="{909E8E84-426E-40DD-AFC4-6F175D3DCCD1}">
+              <a14:hiddenFill xmlns:a14="http://schemas.microsoft.com/office/drawing/2010/main">
+                <a:solidFill>
+                  <a:srgbClr val="FFFFFF"/>
+                </a:solidFill>
+              </a14:hiddenFill>
+            </a:ext>
+            <a:ext uri="{91240B29-F687-4F45-9708-019B960494DF}">
+              <a14:hiddenLine xmlns:a14="http://schemas.microsoft.com/office/drawing/2010/main" w="9525">
+                <a:solidFill>
+                  <a:srgbClr val="000000"/>
+                </a:solidFill>
+                <a:miter lim="800000"/>
+                <a:headEnd/>
+                <a:tailEnd/>
+              </a14:hiddenLine>
+            </a:ext>
+          </a:extLst>
+        </p:spPr>
+      </p:pic>
     </p:spTree>
   </p:cSld>
   <p:clrMapOvr>
